--- a/Nhóm 2_PRO104 _Dự án 1_ Quản lý phòng  trọ.pptx
+++ b/Nhóm 2_PRO104 _Dự án 1_ Quản lý phòng  trọ.pptx
@@ -8249,7 +8249,7 @@
               <a:pPr>
                 <a:defRPr/>
               </a:pPr>
-              <a:t>15/12/2019</a:t>
+              <a:t>16/12/2019</a:t>
             </a:fld>
             <a:endParaRPr lang="en-US"/>
           </a:p>
@@ -15528,8 +15528,26 @@
                 <a:latin typeface="Times New Roman" panose="02020603050405020304" pitchFamily="18" charset="0"/>
                 <a:cs typeface="Times New Roman" panose="02020603050405020304" pitchFamily="18" charset="0"/>
               </a:rPr>
-              <a:t> helper.</a:t>
-            </a:r>
+              <a:t> helper, </a:t>
+            </a:r>
+            <a:r>
+              <a:rPr lang="en-US" sz="2400" dirty="0" err="1">
+                <a:latin typeface="Times New Roman" panose="02020603050405020304" pitchFamily="18" charset="0"/>
+                <a:cs typeface="Times New Roman" panose="02020603050405020304" pitchFamily="18" charset="0"/>
+              </a:rPr>
+              <a:t>powerpoint</a:t>
+            </a:r>
+            <a:r>
+              <a:rPr lang="en-US" sz="2400">
+                <a:latin typeface="Times New Roman" panose="02020603050405020304" pitchFamily="18" charset="0"/>
+                <a:cs typeface="Times New Roman" panose="02020603050405020304" pitchFamily="18" charset="0"/>
+              </a:rPr>
+              <a:t>.</a:t>
+            </a:r>
+            <a:endParaRPr lang="en-US" sz="2400" dirty="0">
+              <a:latin typeface="Times New Roman" panose="02020603050405020304" pitchFamily="18" charset="0"/>
+              <a:cs typeface="Times New Roman" panose="02020603050405020304" pitchFamily="18" charset="0"/>
+            </a:endParaRPr>
           </a:p>
           <a:p>
             <a:r>
